--- a/p4-16/psa/figs/psa-packet-paths-complete-figure.pptx
+++ b/p4-16/psa/figs/psa-packet-paths-complete-figure.pptx
@@ -200,7 +200,7 @@
           <a:p>
             <a:fld id="{4D6A28A7-B5DA-F54D-BC8C-5DA25BBE1AAE}" type="datetimeFigureOut">
               <a:rPr lang="en-US" smtClean="0"/>
-              <a:t>4/29/19</a:t>
+              <a:t>5/3/19</a:t>
             </a:fld>
             <a:endParaRPr lang="en-US"/>
           </a:p>
@@ -598,7 +598,7 @@
           <a:p>
             <a:fld id="{A3ADF9FC-CD6C-AF49-B734-BD0B618A0685}" type="datetimeFigureOut">
               <a:rPr lang="en-US" smtClean="0"/>
-              <a:t>4/29/19</a:t>
+              <a:t>5/3/19</a:t>
             </a:fld>
             <a:endParaRPr lang="en-US"/>
           </a:p>
@@ -768,7 +768,7 @@
           <a:p>
             <a:fld id="{A3ADF9FC-CD6C-AF49-B734-BD0B618A0685}" type="datetimeFigureOut">
               <a:rPr lang="en-US" smtClean="0"/>
-              <a:t>4/29/19</a:t>
+              <a:t>5/3/19</a:t>
             </a:fld>
             <a:endParaRPr lang="en-US"/>
           </a:p>
@@ -948,7 +948,7 @@
           <a:p>
             <a:fld id="{A3ADF9FC-CD6C-AF49-B734-BD0B618A0685}" type="datetimeFigureOut">
               <a:rPr lang="en-US" smtClean="0"/>
-              <a:t>4/29/19</a:t>
+              <a:t>5/3/19</a:t>
             </a:fld>
             <a:endParaRPr lang="en-US"/>
           </a:p>
@@ -1118,7 +1118,7 @@
           <a:p>
             <a:fld id="{A3ADF9FC-CD6C-AF49-B734-BD0B618A0685}" type="datetimeFigureOut">
               <a:rPr lang="en-US" smtClean="0"/>
-              <a:t>4/29/19</a:t>
+              <a:t>5/3/19</a:t>
             </a:fld>
             <a:endParaRPr lang="en-US"/>
           </a:p>
@@ -1364,7 +1364,7 @@
           <a:p>
             <a:fld id="{A3ADF9FC-CD6C-AF49-B734-BD0B618A0685}" type="datetimeFigureOut">
               <a:rPr lang="en-US" smtClean="0"/>
-              <a:t>4/29/19</a:t>
+              <a:t>5/3/19</a:t>
             </a:fld>
             <a:endParaRPr lang="en-US"/>
           </a:p>
@@ -1596,7 +1596,7 @@
           <a:p>
             <a:fld id="{A3ADF9FC-CD6C-AF49-B734-BD0B618A0685}" type="datetimeFigureOut">
               <a:rPr lang="en-US" smtClean="0"/>
-              <a:t>4/29/19</a:t>
+              <a:t>5/3/19</a:t>
             </a:fld>
             <a:endParaRPr lang="en-US"/>
           </a:p>
@@ -1963,7 +1963,7 @@
           <a:p>
             <a:fld id="{A3ADF9FC-CD6C-AF49-B734-BD0B618A0685}" type="datetimeFigureOut">
               <a:rPr lang="en-US" smtClean="0"/>
-              <a:t>4/29/19</a:t>
+              <a:t>5/3/19</a:t>
             </a:fld>
             <a:endParaRPr lang="en-US"/>
           </a:p>
@@ -2081,7 +2081,7 @@
           <a:p>
             <a:fld id="{A3ADF9FC-CD6C-AF49-B734-BD0B618A0685}" type="datetimeFigureOut">
               <a:rPr lang="en-US" smtClean="0"/>
-              <a:t>4/29/19</a:t>
+              <a:t>5/3/19</a:t>
             </a:fld>
             <a:endParaRPr lang="en-US"/>
           </a:p>
@@ -2176,7 +2176,7 @@
           <a:p>
             <a:fld id="{A3ADF9FC-CD6C-AF49-B734-BD0B618A0685}" type="datetimeFigureOut">
               <a:rPr lang="en-US" smtClean="0"/>
-              <a:t>4/29/19</a:t>
+              <a:t>5/3/19</a:t>
             </a:fld>
             <a:endParaRPr lang="en-US"/>
           </a:p>
@@ -2453,7 +2453,7 @@
           <a:p>
             <a:fld id="{A3ADF9FC-CD6C-AF49-B734-BD0B618A0685}" type="datetimeFigureOut">
               <a:rPr lang="en-US" smtClean="0"/>
-              <a:t>4/29/19</a:t>
+              <a:t>5/3/19</a:t>
             </a:fld>
             <a:endParaRPr lang="en-US"/>
           </a:p>
@@ -2710,7 +2710,7 @@
           <a:p>
             <a:fld id="{A3ADF9FC-CD6C-AF49-B734-BD0B618A0685}" type="datetimeFigureOut">
               <a:rPr lang="en-US" smtClean="0"/>
-              <a:t>4/29/19</a:t>
+              <a:t>5/3/19</a:t>
             </a:fld>
             <a:endParaRPr lang="en-US"/>
           </a:p>
@@ -2923,7 +2923,7 @@
           <a:p>
             <a:fld id="{A3ADF9FC-CD6C-AF49-B734-BD0B618A0685}" type="datetimeFigureOut">
               <a:rPr lang="en-US" smtClean="0"/>
-              <a:t>4/29/19</a:t>
+              <a:t>5/3/19</a:t>
             </a:fld>
             <a:endParaRPr lang="en-US"/>
           </a:p>
@@ -3336,7 +3336,7 @@
         </p:nvSpPr>
         <p:spPr>
           <a:xfrm>
-            <a:off x="7928706" y="3346501"/>
+            <a:off x="8059335" y="3921267"/>
             <a:ext cx="1640717" cy="401717"/>
           </a:xfrm>
           <a:prstGeom prst="rect">
@@ -3393,7 +3393,7 @@
         </p:nvSpPr>
         <p:spPr>
           <a:xfrm>
-            <a:off x="6420581" y="2271088"/>
+            <a:off x="6551210" y="2845854"/>
             <a:ext cx="1242586" cy="542878"/>
           </a:xfrm>
           <a:prstGeom prst="rect">
@@ -3447,7 +3447,7 @@
         </p:nvSpPr>
         <p:spPr>
           <a:xfrm>
-            <a:off x="6420394" y="270333"/>
+            <a:off x="6551023" y="845099"/>
             <a:ext cx="1242774" cy="499669"/>
           </a:xfrm>
           <a:prstGeom prst="rect">
@@ -3500,8 +3500,8 @@
         </p:nvSpPr>
         <p:spPr>
           <a:xfrm>
-            <a:off x="4556039" y="270333"/>
-            <a:ext cx="1065395" cy="2543634"/>
+            <a:off x="4686668" y="161736"/>
+            <a:ext cx="1065395" cy="3226997"/>
           </a:xfrm>
           <a:prstGeom prst="rect">
             <a:avLst/>
@@ -3553,8 +3553,8 @@
         </p:nvSpPr>
         <p:spPr>
           <a:xfrm>
-            <a:off x="3218852" y="270333"/>
-            <a:ext cx="1065395" cy="2543634"/>
+            <a:off x="3349481" y="161736"/>
+            <a:ext cx="1065395" cy="3226997"/>
           </a:xfrm>
           <a:prstGeom prst="rect">
             <a:avLst/>
@@ -3610,7 +3610,7 @@
         </p:nvCxnSpPr>
         <p:spPr>
           <a:xfrm>
-            <a:off x="4284246" y="1542150"/>
+            <a:off x="4414876" y="1775235"/>
             <a:ext cx="271792" cy="0"/>
           </a:xfrm>
           <a:prstGeom prst="straightConnector1">
@@ -3649,7 +3649,7 @@
         </p:nvCxnSpPr>
         <p:spPr>
           <a:xfrm>
-            <a:off x="5621434" y="520167"/>
+            <a:off x="5752063" y="1094933"/>
             <a:ext cx="798961" cy="0"/>
           </a:xfrm>
           <a:prstGeom prst="straightConnector1">
@@ -3685,7 +3685,7 @@
         </p:nvSpPr>
         <p:spPr>
           <a:xfrm>
-            <a:off x="14440909" y="270332"/>
+            <a:off x="14571538" y="845098"/>
             <a:ext cx="1242586" cy="1137402"/>
           </a:xfrm>
           <a:prstGeom prst="rect">
@@ -3738,8 +3738,8 @@
         </p:nvSpPr>
         <p:spPr>
           <a:xfrm>
-            <a:off x="13109699" y="270332"/>
-            <a:ext cx="1065395" cy="2543635"/>
+            <a:off x="13240328" y="161736"/>
+            <a:ext cx="1065395" cy="3226997"/>
           </a:xfrm>
           <a:prstGeom prst="rect">
             <a:avLst/>
@@ -3791,8 +3791,8 @@
         </p:nvSpPr>
         <p:spPr>
           <a:xfrm>
-            <a:off x="11772512" y="270332"/>
-            <a:ext cx="1065395" cy="2543635"/>
+            <a:off x="11903141" y="161736"/>
+            <a:ext cx="1065395" cy="3226997"/>
           </a:xfrm>
           <a:prstGeom prst="rect">
             <a:avLst/>
@@ -3844,7 +3844,7 @@
         </p:nvCxnSpPr>
         <p:spPr>
           <a:xfrm>
-            <a:off x="12837906" y="1542149"/>
+            <a:off x="12968536" y="1775967"/>
             <a:ext cx="271792" cy="0"/>
           </a:xfrm>
           <a:prstGeom prst="straightConnector1">
@@ -3880,8 +3880,8 @@
         </p:nvSpPr>
         <p:spPr>
           <a:xfrm>
-            <a:off x="8064281" y="270333"/>
-            <a:ext cx="1263597" cy="2543635"/>
+            <a:off x="8194910" y="161737"/>
+            <a:ext cx="1263597" cy="3226998"/>
           </a:xfrm>
           <a:prstGeom prst="rect">
             <a:avLst/>
@@ -3977,7 +3977,7 @@
         </p:nvSpPr>
         <p:spPr>
           <a:xfrm>
-            <a:off x="2697386" y="634504"/>
+            <a:off x="2828015" y="1209270"/>
             <a:ext cx="247212" cy="2179463"/>
           </a:xfrm>
           <a:prstGeom prst="rect">
@@ -4030,8 +4030,8 @@
         </p:nvCxnSpPr>
         <p:spPr>
           <a:xfrm>
-            <a:off x="2944599" y="1542150"/>
-            <a:ext cx="274253" cy="0"/>
+            <a:off x="3075227" y="1775235"/>
+            <a:ext cx="274254" cy="0"/>
           </a:xfrm>
           <a:prstGeom prst="straightConnector1">
             <a:avLst/>
@@ -4068,7 +4068,7 @@
         </p:nvCxnSpPr>
         <p:spPr>
           <a:xfrm>
-            <a:off x="9327877" y="1191053"/>
+            <a:off x="9458506" y="1765819"/>
             <a:ext cx="388158" cy="0"/>
           </a:xfrm>
           <a:prstGeom prst="straightConnector1">
@@ -4104,7 +4104,7 @@
         </p:nvCxnSpPr>
         <p:spPr>
           <a:xfrm flipV="1">
-            <a:off x="7668964" y="2537736"/>
+            <a:off x="7799593" y="3112502"/>
             <a:ext cx="260555" cy="704"/>
           </a:xfrm>
           <a:prstGeom prst="straightConnector1">
@@ -4142,7 +4142,7 @@
         </p:nvCxnSpPr>
         <p:spPr>
           <a:xfrm>
-            <a:off x="7929518" y="2537736"/>
+            <a:off x="8060147" y="3112502"/>
             <a:ext cx="0" cy="781520"/>
           </a:xfrm>
           <a:prstGeom prst="straightConnector1">
@@ -4180,7 +4180,7 @@
         </p:nvCxnSpPr>
         <p:spPr>
           <a:xfrm flipH="1" flipV="1">
-            <a:off x="919716" y="3280706"/>
+            <a:off x="1050345" y="3855472"/>
             <a:ext cx="7009802" cy="38551"/>
           </a:xfrm>
           <a:prstGeom prst="straightConnector1">
@@ -4216,7 +4216,7 @@
         </p:nvCxnSpPr>
         <p:spPr>
           <a:xfrm>
-            <a:off x="919716" y="2564703"/>
+            <a:off x="1050345" y="3139469"/>
             <a:ext cx="0" cy="716003"/>
           </a:xfrm>
           <a:prstGeom prst="straightConnector1">
@@ -4252,7 +4252,7 @@
         </p:nvCxnSpPr>
         <p:spPr>
           <a:xfrm flipV="1">
-            <a:off x="919717" y="2567960"/>
+            <a:off x="1050346" y="3142726"/>
             <a:ext cx="260555" cy="704"/>
           </a:xfrm>
           <a:prstGeom prst="straightConnector1">
@@ -4288,7 +4288,7 @@
         </p:nvSpPr>
         <p:spPr>
           <a:xfrm>
-            <a:off x="4266760" y="2932308"/>
+            <a:off x="4397389" y="3507074"/>
             <a:ext cx="1227616" cy="401717"/>
           </a:xfrm>
           <a:prstGeom prst="rect">
@@ -4347,7 +4347,7 @@
         </p:nvCxnSpPr>
         <p:spPr>
           <a:xfrm flipV="1">
-            <a:off x="15689473" y="2545575"/>
+            <a:off x="15820102" y="3120341"/>
             <a:ext cx="238513" cy="2322"/>
           </a:xfrm>
           <a:prstGeom prst="straightConnector1">
@@ -4385,7 +4385,7 @@
         </p:nvCxnSpPr>
         <p:spPr>
           <a:xfrm>
-            <a:off x="15923232" y="2542527"/>
+            <a:off x="16053861" y="3117293"/>
             <a:ext cx="0" cy="767840"/>
           </a:xfrm>
           <a:prstGeom prst="straightConnector1">
@@ -4423,7 +4423,7 @@
         </p:nvCxnSpPr>
         <p:spPr>
           <a:xfrm flipH="1">
-            <a:off x="9439144" y="3310367"/>
+            <a:off x="9569773" y="3885133"/>
             <a:ext cx="6484088" cy="0"/>
           </a:xfrm>
           <a:prstGeom prst="straightConnector1">
@@ -4461,7 +4461,7 @@
         </p:nvCxnSpPr>
         <p:spPr>
           <a:xfrm>
-            <a:off x="9439142" y="2537737"/>
+            <a:off x="9569771" y="3112503"/>
             <a:ext cx="0" cy="772631"/>
           </a:xfrm>
           <a:prstGeom prst="straightConnector1">
@@ -4497,7 +4497,7 @@
         </p:nvCxnSpPr>
         <p:spPr>
           <a:xfrm flipV="1">
-            <a:off x="9439146" y="2537734"/>
+            <a:off x="9569775" y="3112500"/>
             <a:ext cx="260555" cy="704"/>
           </a:xfrm>
           <a:prstGeom prst="straightConnector1">
@@ -4533,7 +4533,7 @@
         </p:nvSpPr>
         <p:spPr>
           <a:xfrm>
-            <a:off x="12345292" y="2932308"/>
+            <a:off x="12475921" y="3507074"/>
             <a:ext cx="1227616" cy="401717"/>
           </a:xfrm>
           <a:prstGeom prst="rect">
@@ -4584,7 +4584,7 @@
         </p:nvCxnSpPr>
         <p:spPr>
           <a:xfrm flipV="1">
-            <a:off x="779363" y="1864228"/>
+            <a:off x="909992" y="2438994"/>
             <a:ext cx="400909" cy="7587"/>
           </a:xfrm>
           <a:prstGeom prst="straightConnector1">
@@ -4620,7 +4620,7 @@
         </p:nvCxnSpPr>
         <p:spPr>
           <a:xfrm flipV="1">
-            <a:off x="15676416" y="1828095"/>
+            <a:off x="15807045" y="2402861"/>
             <a:ext cx="400909" cy="7587"/>
           </a:xfrm>
           <a:prstGeom prst="straightConnector1">
@@ -4658,7 +4658,7 @@
         </p:nvCxnSpPr>
         <p:spPr>
           <a:xfrm>
-            <a:off x="16077324" y="1828094"/>
+            <a:off x="16207953" y="2402860"/>
             <a:ext cx="0" cy="1860338"/>
           </a:xfrm>
           <a:prstGeom prst="straightConnector1">
@@ -4696,7 +4696,7 @@
         </p:nvCxnSpPr>
         <p:spPr>
           <a:xfrm flipH="1">
-            <a:off x="779365" y="3688435"/>
+            <a:off x="909994" y="4263201"/>
             <a:ext cx="15297959" cy="0"/>
           </a:xfrm>
           <a:prstGeom prst="straightConnector1">
@@ -4734,7 +4734,7 @@
         </p:nvCxnSpPr>
         <p:spPr>
           <a:xfrm>
-            <a:off x="782174" y="1873094"/>
+            <a:off x="912803" y="2447860"/>
             <a:ext cx="0" cy="1815338"/>
           </a:xfrm>
           <a:prstGeom prst="straightConnector1">
@@ -4770,7 +4770,7 @@
         </p:nvCxnSpPr>
         <p:spPr>
           <a:xfrm>
-            <a:off x="15687724" y="966121"/>
+            <a:off x="15818353" y="1540887"/>
             <a:ext cx="821608" cy="4"/>
           </a:xfrm>
           <a:prstGeom prst="straightConnector1">
@@ -4806,7 +4806,7 @@
         </p:nvSpPr>
         <p:spPr>
           <a:xfrm>
-            <a:off x="15645153" y="658053"/>
+            <a:off x="15775782" y="1232819"/>
             <a:ext cx="851359" cy="310684"/>
           </a:xfrm>
           <a:prstGeom prst="rect">
@@ -4859,7 +4859,7 @@
         </p:nvCxnSpPr>
         <p:spPr>
           <a:xfrm>
-            <a:off x="15676416" y="592331"/>
+            <a:off x="15807045" y="1167097"/>
             <a:ext cx="832917" cy="0"/>
           </a:xfrm>
           <a:prstGeom prst="straightConnector1">
@@ -4895,7 +4895,7 @@
         </p:nvSpPr>
         <p:spPr>
           <a:xfrm>
-            <a:off x="15664416" y="270331"/>
+            <a:off x="15795045" y="845097"/>
             <a:ext cx="821608" cy="310684"/>
           </a:xfrm>
           <a:prstGeom prst="rect">
@@ -4952,7 +4952,7 @@
         </p:nvSpPr>
         <p:spPr>
           <a:xfrm>
-            <a:off x="1183008" y="1593171"/>
+            <a:off x="1313637" y="2167937"/>
             <a:ext cx="1242586" cy="542878"/>
           </a:xfrm>
           <a:prstGeom prst="rect">
@@ -5012,7 +5012,7 @@
         </p:nvSpPr>
         <p:spPr>
           <a:xfrm>
-            <a:off x="1183008" y="2271088"/>
+            <a:off x="1313637" y="2845854"/>
             <a:ext cx="1242586" cy="542878"/>
           </a:xfrm>
           <a:prstGeom prst="rect">
@@ -5072,7 +5072,7 @@
         </p:nvSpPr>
         <p:spPr>
           <a:xfrm>
-            <a:off x="1183008" y="634506"/>
+            <a:off x="1313637" y="1209272"/>
             <a:ext cx="1242586" cy="828083"/>
           </a:xfrm>
           <a:prstGeom prst="rect">
@@ -5148,7 +5148,7 @@
         </p:nvCxnSpPr>
         <p:spPr>
           <a:xfrm>
-            <a:off x="358663" y="1262206"/>
+            <a:off x="489292" y="1836972"/>
             <a:ext cx="821608" cy="4"/>
           </a:xfrm>
           <a:prstGeom prst="straightConnector1">
@@ -5190,7 +5190,7 @@
         </p:nvSpPr>
         <p:spPr>
           <a:xfrm>
-            <a:off x="323725" y="940206"/>
+            <a:off x="454354" y="1514972"/>
             <a:ext cx="821608" cy="310684"/>
           </a:xfrm>
           <a:prstGeom prst="rect">
@@ -5247,7 +5247,7 @@
         </p:nvCxnSpPr>
         <p:spPr>
           <a:xfrm>
-            <a:off x="346664" y="888416"/>
+            <a:off x="477293" y="1463182"/>
             <a:ext cx="821608" cy="4"/>
           </a:xfrm>
           <a:prstGeom prst="straightConnector1">
@@ -5289,7 +5289,7 @@
         </p:nvSpPr>
         <p:spPr>
           <a:xfrm>
-            <a:off x="311726" y="566416"/>
+            <a:off x="442355" y="1141182"/>
             <a:ext cx="821608" cy="310684"/>
           </a:xfrm>
           <a:prstGeom prst="rect">
@@ -5346,7 +5346,7 @@
         </p:nvCxnSpPr>
         <p:spPr>
           <a:xfrm>
-            <a:off x="2425594" y="1099700"/>
+            <a:off x="2556223" y="1674466"/>
             <a:ext cx="274250" cy="0"/>
           </a:xfrm>
           <a:prstGeom prst="straightConnector1">
@@ -5388,7 +5388,7 @@
         </p:nvCxnSpPr>
         <p:spPr>
           <a:xfrm>
-            <a:off x="2423136" y="1868021"/>
+            <a:off x="2553765" y="2442787"/>
             <a:ext cx="274250" cy="0"/>
           </a:xfrm>
           <a:prstGeom prst="straightConnector1">
@@ -5430,7 +5430,7 @@
         </p:nvCxnSpPr>
         <p:spPr>
           <a:xfrm>
-            <a:off x="2423136" y="2564702"/>
+            <a:off x="2553765" y="3139468"/>
             <a:ext cx="274250" cy="0"/>
           </a:xfrm>
           <a:prstGeom prst="straightConnector1">
@@ -5472,7 +5472,7 @@
         </p:nvSpPr>
         <p:spPr>
           <a:xfrm>
-            <a:off x="14444235" y="1575865"/>
+            <a:off x="14574864" y="2150631"/>
             <a:ext cx="1242586" cy="542878"/>
           </a:xfrm>
           <a:prstGeom prst="rect">
@@ -5532,7 +5532,7 @@
         </p:nvCxnSpPr>
         <p:spPr>
           <a:xfrm>
-            <a:off x="14169985" y="1835681"/>
+            <a:off x="14300614" y="2410447"/>
             <a:ext cx="274250" cy="0"/>
           </a:xfrm>
           <a:prstGeom prst="straightConnector1">
@@ -5574,7 +5574,7 @@
         </p:nvSpPr>
         <p:spPr>
           <a:xfrm>
-            <a:off x="14446886" y="2276458"/>
+            <a:off x="14577515" y="2851224"/>
             <a:ext cx="1242586" cy="542878"/>
           </a:xfrm>
           <a:prstGeom prst="rect">
@@ -5634,7 +5634,7 @@
         </p:nvCxnSpPr>
         <p:spPr>
           <a:xfrm>
-            <a:off x="14169985" y="2542527"/>
+            <a:off x="14300614" y="3117293"/>
             <a:ext cx="274250" cy="0"/>
           </a:xfrm>
           <a:prstGeom prst="straightConnector1">
@@ -5676,7 +5676,7 @@
         </p:nvSpPr>
         <p:spPr>
           <a:xfrm>
-            <a:off x="6420581" y="1593171"/>
+            <a:off x="6551210" y="2167937"/>
             <a:ext cx="1242586" cy="542878"/>
           </a:xfrm>
           <a:prstGeom prst="rect">
@@ -5736,7 +5736,7 @@
         </p:nvSpPr>
         <p:spPr>
           <a:xfrm>
-            <a:off x="5895683" y="1589876"/>
+            <a:off x="6026312" y="2164642"/>
             <a:ext cx="247212" cy="1224339"/>
           </a:xfrm>
           <a:prstGeom prst="rect">
@@ -5794,7 +5794,7 @@
         </p:nvCxnSpPr>
         <p:spPr>
           <a:xfrm>
-            <a:off x="5621434" y="1182147"/>
+            <a:off x="5752063" y="1756913"/>
             <a:ext cx="799148" cy="0"/>
           </a:xfrm>
           <a:prstGeom prst="straightConnector1">
@@ -5836,7 +5836,7 @@
         </p:nvSpPr>
         <p:spPr>
           <a:xfrm>
-            <a:off x="6420581" y="910708"/>
+            <a:off x="6551210" y="1485474"/>
             <a:ext cx="1242586" cy="542878"/>
           </a:xfrm>
           <a:prstGeom prst="rect">
@@ -5898,7 +5898,7 @@
         </p:nvCxnSpPr>
         <p:spPr>
           <a:xfrm>
-            <a:off x="6146329" y="1866444"/>
+            <a:off x="6276958" y="2441210"/>
             <a:ext cx="274253" cy="0"/>
           </a:xfrm>
           <a:prstGeom prst="straightConnector1">
@@ -5942,7 +5942,7 @@
         </p:nvCxnSpPr>
         <p:spPr>
           <a:xfrm>
-            <a:off x="6146329" y="2546465"/>
+            <a:off x="6276958" y="3121231"/>
             <a:ext cx="274253" cy="0"/>
           </a:xfrm>
           <a:prstGeom prst="straightConnector1">
@@ -5986,7 +5986,7 @@
         </p:nvCxnSpPr>
         <p:spPr>
           <a:xfrm>
-            <a:off x="5621434" y="2175572"/>
+            <a:off x="5752063" y="2750338"/>
             <a:ext cx="274253" cy="0"/>
           </a:xfrm>
           <a:prstGeom prst="straightConnector1">
@@ -6031,7 +6031,7 @@
         </p:nvCxnSpPr>
         <p:spPr>
           <a:xfrm>
-            <a:off x="14176755" y="839033"/>
+            <a:off x="14307384" y="1413799"/>
             <a:ext cx="264154" cy="0"/>
           </a:xfrm>
           <a:prstGeom prst="straightConnector1">
@@ -6073,7 +6073,7 @@
         </p:nvSpPr>
         <p:spPr>
           <a:xfrm>
-            <a:off x="9716035" y="2280090"/>
+            <a:off x="9846664" y="2854856"/>
             <a:ext cx="1242586" cy="542878"/>
           </a:xfrm>
           <a:prstGeom prst="rect">
@@ -6133,7 +6133,7 @@
         </p:nvSpPr>
         <p:spPr>
           <a:xfrm>
-            <a:off x="9716035" y="1602173"/>
+            <a:off x="9846664" y="2176939"/>
             <a:ext cx="1242586" cy="542878"/>
           </a:xfrm>
           <a:prstGeom prst="rect">
@@ -6193,7 +6193,7 @@
         </p:nvSpPr>
         <p:spPr>
           <a:xfrm>
-            <a:off x="11242046" y="922907"/>
+            <a:off x="11372675" y="1497673"/>
             <a:ext cx="247212" cy="1898808"/>
           </a:xfrm>
           <a:prstGeom prst="rect">
@@ -6251,7 +6251,7 @@
         </p:nvCxnSpPr>
         <p:spPr>
           <a:xfrm>
-            <a:off x="10967794" y="1191053"/>
+            <a:off x="11098423" y="1765819"/>
             <a:ext cx="274253" cy="0"/>
           </a:xfrm>
           <a:prstGeom prst="straightConnector1">
@@ -6293,7 +6293,7 @@
         </p:nvSpPr>
         <p:spPr>
           <a:xfrm>
-            <a:off x="9716035" y="919710"/>
+            <a:off x="9846664" y="1494476"/>
             <a:ext cx="1242586" cy="542878"/>
           </a:xfrm>
           <a:prstGeom prst="rect">
@@ -6355,7 +6355,7 @@
         </p:nvCxnSpPr>
         <p:spPr>
           <a:xfrm>
-            <a:off x="10958622" y="1871814"/>
+            <a:off x="11089251" y="2446580"/>
             <a:ext cx="274253" cy="0"/>
           </a:xfrm>
           <a:prstGeom prst="straightConnector1">
@@ -6399,7 +6399,7 @@
         </p:nvCxnSpPr>
         <p:spPr>
           <a:xfrm>
-            <a:off x="10967794" y="2537736"/>
+            <a:off x="11098423" y="3112502"/>
             <a:ext cx="274253" cy="0"/>
           </a:xfrm>
           <a:prstGeom prst="straightConnector1">
@@ -6443,7 +6443,7 @@
         </p:nvCxnSpPr>
         <p:spPr>
           <a:xfrm>
-            <a:off x="11498259" y="1856661"/>
+            <a:off x="11628888" y="2431427"/>
             <a:ext cx="274253" cy="0"/>
           </a:xfrm>
           <a:prstGeom prst="straightConnector1">
@@ -6487,7 +6487,7 @@
         </p:nvCxnSpPr>
         <p:spPr>
           <a:xfrm>
-            <a:off x="9327877" y="1871814"/>
+            <a:off x="9458506" y="2446580"/>
             <a:ext cx="388158" cy="0"/>
           </a:xfrm>
           <a:prstGeom prst="straightConnector1">
@@ -6531,7 +6531,7 @@
         </p:nvCxnSpPr>
         <p:spPr>
           <a:xfrm>
-            <a:off x="7663167" y="1856661"/>
+            <a:off x="7793796" y="2431427"/>
             <a:ext cx="388158" cy="0"/>
           </a:xfrm>
           <a:prstGeom prst="straightConnector1">
@@ -6575,7 +6575,7 @@
         </p:nvCxnSpPr>
         <p:spPr>
           <a:xfrm>
-            <a:off x="7663167" y="1182147"/>
+            <a:off x="7793796" y="1756913"/>
             <a:ext cx="388158" cy="0"/>
           </a:xfrm>
           <a:prstGeom prst="straightConnector1">
@@ -6619,7 +6619,7 @@
         </p:nvCxnSpPr>
         <p:spPr>
           <a:xfrm>
-            <a:off x="7676123" y="520167"/>
+            <a:off x="7806752" y="1094933"/>
             <a:ext cx="388158" cy="0"/>
           </a:xfrm>
           <a:prstGeom prst="straightConnector1">
@@ -6663,8 +6663,112 @@
         </p:nvCxnSpPr>
         <p:spPr>
           <a:xfrm>
-            <a:off x="9338747" y="520167"/>
+            <a:off x="9469376" y="1094933"/>
             <a:ext cx="2433765" cy="0"/>
+          </a:xfrm>
+          <a:prstGeom prst="straightConnector1">
+            <a:avLst/>
+          </a:prstGeom>
+          <a:ln w="12700">
+            <a:solidFill>
+              <a:schemeClr val="tx1"/>
+            </a:solidFill>
+            <a:tailEnd type="triangle" w="lg" len="lg"/>
+          </a:ln>
+        </p:spPr>
+        <p:style>
+          <a:lnRef idx="1">
+            <a:schemeClr val="accent1"/>
+          </a:lnRef>
+          <a:fillRef idx="0">
+            <a:schemeClr val="accent1"/>
+          </a:fillRef>
+          <a:effectRef idx="0">
+            <a:schemeClr val="accent1"/>
+          </a:effectRef>
+          <a:fontRef idx="minor">
+            <a:schemeClr val="tx1"/>
+          </a:fontRef>
+        </p:style>
+      </p:cxnSp>
+      <p:sp>
+        <p:nvSpPr>
+          <p:cNvPr id="93" name="Rectangle 92">
+            <a:extLst>
+              <a:ext uri="{FF2B5EF4-FFF2-40B4-BE49-F238E27FC236}">
+                <a16:creationId xmlns:a16="http://schemas.microsoft.com/office/drawing/2014/main" id="{48F8771D-19A5-8D42-B18F-3E1B8E81FB8C}"/>
+              </a:ext>
+            </a:extLst>
+          </p:cNvPr>
+          <p:cNvSpPr/>
+          <p:nvPr/>
+        </p:nvSpPr>
+        <p:spPr>
+          <a:xfrm>
+            <a:off x="6551023" y="161736"/>
+            <a:ext cx="1242586" cy="542878"/>
+          </a:xfrm>
+          <a:prstGeom prst="rect">
+            <a:avLst/>
+          </a:prstGeom>
+          <a:noFill/>
+          <a:ln w="25400">
+            <a:solidFill>
+              <a:schemeClr val="tx1"/>
+            </a:solidFill>
+            <a:prstDash val="dash"/>
+          </a:ln>
+        </p:spPr>
+        <p:style>
+          <a:lnRef idx="2">
+            <a:schemeClr val="accent1">
+              <a:shade val="50000"/>
+            </a:schemeClr>
+          </a:lnRef>
+          <a:fillRef idx="1">
+            <a:schemeClr val="accent1"/>
+          </a:fillRef>
+          <a:effectRef idx="0">
+            <a:schemeClr val="accent1"/>
+          </a:effectRef>
+          <a:fontRef idx="minor">
+            <a:schemeClr val="lt1"/>
+          </a:fontRef>
+        </p:style>
+        <p:txBody>
+          <a:bodyPr rtlCol="0" anchor="ctr"/>
+          <a:lstStyle/>
+          <a:p>
+            <a:pPr algn="ctr"/>
+            <a:r>
+              <a:rPr lang="en-US" dirty="0">
+                <a:solidFill>
+                  <a:schemeClr val="tx1"/>
+                </a:solidFill>
+              </a:rPr>
+              <a:t>Digest Creator</a:t>
+            </a:r>
+          </a:p>
+        </p:txBody>
+      </p:sp>
+      <p:cxnSp>
+        <p:nvCxnSpPr>
+          <p:cNvPr id="94" name="Straight Arrow Connector 93">
+            <a:extLst>
+              <a:ext uri="{FF2B5EF4-FFF2-40B4-BE49-F238E27FC236}">
+                <a16:creationId xmlns:a16="http://schemas.microsoft.com/office/drawing/2014/main" id="{F040EE51-CE26-D042-9E99-AA1BF3C0D18B}"/>
+              </a:ext>
+            </a:extLst>
+          </p:cNvPr>
+          <p:cNvCxnSpPr>
+            <a:cxnSpLocks/>
+          </p:cNvCxnSpPr>
+          <p:nvPr/>
+        </p:nvCxnSpPr>
+        <p:spPr>
+          <a:xfrm>
+            <a:off x="5752063" y="424373"/>
+            <a:ext cx="798961" cy="0"/>
           </a:xfrm>
           <a:prstGeom prst="straightConnector1">
             <a:avLst/>
